--- a/Curriculum/Week_2/Lectures/2.4_JavaScript_jQuery_and_AJAX.pptx
+++ b/Curriculum/Week_2/Lectures/2.4_JavaScript_jQuery_and_AJAX.pptx
@@ -2010,7 +2010,7 @@
         </p:nvSpPr>
         <p:spPr>
           <a:xfrm>
-            <a:off x="381300" y="685800"/>
+            <a:off x="381000" y="685800"/>
             <a:ext cx="6096000" cy="3429000"/>
           </a:xfrm>
           <a:custGeom>
@@ -9041,9 +9041,9 @@
                 <a:solidFill>
                   <a:srgbClr val="000000"/>
                 </a:solidFill>
-                <a:latin typeface="Source Code Pro"/>
+                <a:latin typeface="Consolas"/>
                 <a:ea typeface="Source Code Pro"/>
-                <a:cs typeface="Source Code Pro"/>
+                <a:cs typeface="Consolas"/>
                 <a:sym typeface="Source Code Pro"/>
               </a:rPr>
               <a:t>$("div").hide() 		</a:t>
@@ -9053,9 +9053,9 @@
                 <a:solidFill>
                   <a:srgbClr val="999999"/>
                 </a:solidFill>
-                <a:latin typeface="Source Code Pro"/>
+                <a:latin typeface="Consolas"/>
                 <a:ea typeface="Source Code Pro"/>
-                <a:cs typeface="Source Code Pro"/>
+                <a:cs typeface="Consolas"/>
                 <a:sym typeface="Source Code Pro"/>
               </a:rPr>
               <a:t>// hides all &lt;div&gt; elements</a:t>
@@ -9081,24 +9081,48 @@
                 <a:solidFill>
                   <a:srgbClr val="000000"/>
                 </a:solidFill>
-                <a:latin typeface="Source Code Pro"/>
+                <a:latin typeface="Consolas"/>
                 <a:ea typeface="Source Code Pro"/>
-                <a:cs typeface="Source Code Pro"/>
+                <a:cs typeface="Consolas"/>
                 <a:sym typeface="Source Code Pro"/>
               </a:rPr>
               <a:t>$("p").hide() 		</a:t>
             </a:r>
             <a:r>
+              <a:rPr lang="en-US" sz="1400" dirty="0" smtClean="0">
+                <a:solidFill>
+                  <a:srgbClr val="000000"/>
+                </a:solidFill>
+                <a:latin typeface="Consolas"/>
+                <a:ea typeface="Source Code Pro"/>
+                <a:cs typeface="Consolas"/>
+                <a:sym typeface="Source Code Pro"/>
+              </a:rPr>
+              <a:t>	</a:t>
+            </a:r>
+            <a:r>
+              <a:rPr lang="en" sz="1400" dirty="0" smtClean="0">
+                <a:solidFill>
+                  <a:srgbClr val="999999"/>
+                </a:solidFill>
+                <a:latin typeface="Consolas"/>
+                <a:ea typeface="Source Code Pro"/>
+                <a:cs typeface="Consolas"/>
+                <a:sym typeface="Source Code Pro"/>
+              </a:rPr>
+              <a:t>// </a:t>
+            </a:r>
+            <a:r>
               <a:rPr lang="en" sz="1400" dirty="0">
                 <a:solidFill>
                   <a:srgbClr val="999999"/>
                 </a:solidFill>
-                <a:latin typeface="Source Code Pro"/>
+                <a:latin typeface="Consolas"/>
                 <a:ea typeface="Source Code Pro"/>
-                <a:cs typeface="Source Code Pro"/>
+                <a:cs typeface="Consolas"/>
                 <a:sym typeface="Source Code Pro"/>
               </a:rPr>
-              <a:t>// hides all &lt;p&gt; elements</a:t>
+              <a:t>hides all &lt;p&gt; elements</a:t>
             </a:r>
           </a:p>
           <a:p>
@@ -9121,9 +9145,9 @@
                 <a:solidFill>
                   <a:srgbClr val="000000"/>
                 </a:solidFill>
-                <a:latin typeface="Source Code Pro"/>
+                <a:latin typeface="Consolas"/>
                 <a:ea typeface="Source Code Pro"/>
-                <a:cs typeface="Source Code Pro"/>
+                <a:cs typeface="Consolas"/>
                 <a:sym typeface="Source Code Pro"/>
               </a:rPr>
               <a:t>$(".test").hide() 	</a:t>
@@ -9133,9 +9157,9 @@
                 <a:solidFill>
                   <a:srgbClr val="000000"/>
                 </a:solidFill>
-                <a:latin typeface="Source Code Pro"/>
+                <a:latin typeface="Consolas"/>
                 <a:ea typeface="Source Code Pro"/>
-                <a:cs typeface="Source Code Pro"/>
+                <a:cs typeface="Consolas"/>
                 <a:sym typeface="Source Code Pro"/>
               </a:rPr>
               <a:t>	</a:t>
@@ -9145,9 +9169,9 @@
                 <a:solidFill>
                   <a:srgbClr val="999999"/>
                 </a:solidFill>
-                <a:latin typeface="Source Code Pro"/>
+                <a:latin typeface="Consolas"/>
                 <a:ea typeface="Source Code Pro"/>
-                <a:cs typeface="Source Code Pro"/>
+                <a:cs typeface="Consolas"/>
                 <a:sym typeface="Source Code Pro"/>
               </a:rPr>
               <a:t>// </a:t>
@@ -9157,9 +9181,9 @@
                 <a:solidFill>
                   <a:srgbClr val="999999"/>
                 </a:solidFill>
-                <a:latin typeface="Source Code Pro"/>
+                <a:latin typeface="Consolas"/>
                 <a:ea typeface="Source Code Pro"/>
-                <a:cs typeface="Source Code Pro"/>
+                <a:cs typeface="Consolas"/>
                 <a:sym typeface="Source Code Pro"/>
               </a:rPr>
               <a:t>hides all elements with class "test"</a:t>
@@ -9185,9 +9209,9 @@
                 <a:solidFill>
                   <a:srgbClr val="000000"/>
                 </a:solidFill>
-                <a:latin typeface="Source Code Pro"/>
+                <a:latin typeface="Consolas"/>
                 <a:ea typeface="Source Code Pro"/>
-                <a:cs typeface="Source Code Pro"/>
+                <a:cs typeface="Consolas"/>
                 <a:sym typeface="Source Code Pro"/>
               </a:rPr>
               <a:t>$("#test").hide() </a:t>
@@ -9197,9 +9221,9 @@
                 <a:solidFill>
                   <a:srgbClr val="000000"/>
                 </a:solidFill>
-                <a:latin typeface="Source Code Pro"/>
+                <a:latin typeface="Consolas"/>
                 <a:ea typeface="Source Code Pro"/>
-                <a:cs typeface="Source Code Pro"/>
+                <a:cs typeface="Consolas"/>
                 <a:sym typeface="Source Code Pro"/>
               </a:rPr>
               <a:t>	</a:t>
@@ -9209,9 +9233,9 @@
                 <a:solidFill>
                   <a:srgbClr val="000000"/>
                 </a:solidFill>
-                <a:latin typeface="Source Code Pro"/>
+                <a:latin typeface="Consolas"/>
                 <a:ea typeface="Source Code Pro"/>
-                <a:cs typeface="Source Code Pro"/>
+                <a:cs typeface="Consolas"/>
                 <a:sym typeface="Source Code Pro"/>
               </a:rPr>
               <a:t>	</a:t>
@@ -9221,9 +9245,9 @@
                 <a:solidFill>
                   <a:srgbClr val="999999"/>
                 </a:solidFill>
-                <a:latin typeface="Source Code Pro"/>
+                <a:latin typeface="Consolas"/>
                 <a:ea typeface="Source Code Pro"/>
-                <a:cs typeface="Source Code Pro"/>
+                <a:cs typeface="Consolas"/>
                 <a:sym typeface="Source Code Pro"/>
               </a:rPr>
               <a:t>// hides the element with id "test"</a:t>
@@ -10328,9 +10352,9 @@
                 <a:solidFill>
                   <a:srgbClr val="000000"/>
                 </a:solidFill>
-                <a:latin typeface="Source Code Pro"/>
+                <a:latin typeface="Consolas"/>
                 <a:ea typeface="Source Code Pro"/>
-                <a:cs typeface="Source Code Pro"/>
+                <a:cs typeface="Consolas"/>
                 <a:sym typeface="Source Code Pro"/>
               </a:rPr>
               <a:t>&lt;head</a:t>
@@ -10340,9 +10364,9 @@
                 <a:solidFill>
                   <a:srgbClr val="000000"/>
                 </a:solidFill>
-                <a:latin typeface="Source Code Pro"/>
+                <a:latin typeface="Consolas"/>
                 <a:ea typeface="Source Code Pro"/>
-                <a:cs typeface="Source Code Pro"/>
+                <a:cs typeface="Consolas"/>
                 <a:sym typeface="Source Code Pro"/>
               </a:rPr>
               <a:t>&gt;</a:t>
@@ -10351,9 +10375,9 @@
               <a:solidFill>
                 <a:srgbClr val="000000"/>
               </a:solidFill>
-              <a:latin typeface="Source Code Pro"/>
+              <a:latin typeface="Consolas"/>
               <a:ea typeface="Source Code Pro"/>
-              <a:cs typeface="Source Code Pro"/>
+              <a:cs typeface="Consolas"/>
               <a:sym typeface="Source Code Pro"/>
             </a:endParaRPr>
           </a:p>
@@ -10372,21 +10396,33 @@
                 <a:solidFill>
                   <a:srgbClr val="000000"/>
                 </a:solidFill>
-                <a:latin typeface="Source Code Pro"/>
+                <a:latin typeface="Consolas"/>
                 <a:ea typeface="Source Code Pro"/>
-                <a:cs typeface="Source Code Pro"/>
+                <a:cs typeface="Consolas"/>
                 <a:sym typeface="Source Code Pro"/>
               </a:rPr>
-              <a:t>	</a:t>
+              <a:t> </a:t>
+            </a:r>
+            <a:r>
+              <a:rPr lang="en-US" sz="1200" dirty="0" smtClean="0">
+                <a:solidFill>
+                  <a:srgbClr val="000000"/>
+                </a:solidFill>
+                <a:latin typeface="Consolas"/>
+                <a:ea typeface="Source Code Pro"/>
+                <a:cs typeface="Consolas"/>
+                <a:sym typeface="Source Code Pro"/>
+              </a:rPr>
+              <a:t> </a:t>
             </a:r>
             <a:r>
               <a:rPr lang="en" sz="1200" dirty="0" smtClean="0">
                 <a:solidFill>
                   <a:srgbClr val="000000"/>
                 </a:solidFill>
-                <a:latin typeface="Source Code Pro"/>
+                <a:latin typeface="Consolas"/>
                 <a:ea typeface="Source Code Pro"/>
-                <a:cs typeface="Source Code Pro"/>
+                <a:cs typeface="Consolas"/>
                 <a:sym typeface="Source Code Pro"/>
               </a:rPr>
               <a:t>&lt;</a:t>
@@ -10396,21 +10432,45 @@
                 <a:solidFill>
                   <a:srgbClr val="000000"/>
                 </a:solidFill>
-                <a:latin typeface="Source Code Pro"/>
+                <a:latin typeface="Consolas"/>
                 <a:ea typeface="Source Code Pro"/>
-                <a:cs typeface="Source Code Pro"/>
+                <a:cs typeface="Consolas"/>
                 <a:sym typeface="Source Code Pro"/>
               </a:rPr>
-              <a:t>script  src="https://ajax.googleapis.com/ajax/libs/jquery/3.1.1/jquery.min.js"&gt;&lt;/script&gt;</a:t>
+              <a:t>script </a:t>
+            </a:r>
+            <a:r>
+              <a:rPr lang="en" sz="1200" dirty="0" smtClean="0">
+                <a:solidFill>
+                  <a:srgbClr val="000000"/>
+                </a:solidFill>
+                <a:latin typeface="Consolas"/>
+                <a:ea typeface="Source Code Pro"/>
+                <a:cs typeface="Consolas"/>
+                <a:sym typeface="Source Code Pro"/>
+              </a:rPr>
+              <a:t>src</a:t>
+            </a:r>
+            <a:r>
+              <a:rPr lang="en" sz="1200" dirty="0">
+                <a:solidFill>
+                  <a:srgbClr val="000000"/>
+                </a:solidFill>
+                <a:latin typeface="Consolas"/>
+                <a:ea typeface="Source Code Pro"/>
+                <a:cs typeface="Consolas"/>
+                <a:sym typeface="Source Code Pro"/>
+              </a:rPr>
+              <a:t>="https://ajax.googleapis.com/ajax/libs/jquery/3.1.1/jquery.min.js"&gt;&lt;/script&gt;</a:t>
             </a:r>
             <a:br>
               <a:rPr lang="en" sz="1200" dirty="0">
                 <a:solidFill>
                   <a:srgbClr val="000000"/>
                 </a:solidFill>
-                <a:latin typeface="Source Code Pro"/>
+                <a:latin typeface="Consolas"/>
                 <a:ea typeface="Source Code Pro"/>
-                <a:cs typeface="Source Code Pro"/>
+                <a:cs typeface="Consolas"/>
                 <a:sym typeface="Source Code Pro"/>
               </a:rPr>
             </a:br>
@@ -10419,9 +10479,9 @@
                 <a:solidFill>
                   <a:srgbClr val="000000"/>
                 </a:solidFill>
-                <a:latin typeface="Source Code Pro"/>
+                <a:latin typeface="Consolas"/>
                 <a:ea typeface="Source Code Pro"/>
-                <a:cs typeface="Source Code Pro"/>
+                <a:cs typeface="Consolas"/>
                 <a:sym typeface="Source Code Pro"/>
               </a:rPr>
               <a:t> </a:t>
@@ -10431,21 +10491,33 @@
                 <a:solidFill>
                   <a:srgbClr val="000000"/>
                 </a:solidFill>
-                <a:latin typeface="Source Code Pro"/>
+                <a:latin typeface="Consolas"/>
                 <a:ea typeface="Source Code Pro"/>
-                <a:cs typeface="Source Code Pro"/>
+                <a:cs typeface="Consolas"/>
                 <a:sym typeface="Source Code Pro"/>
               </a:rPr>
-              <a:t>          </a:t>
+              <a:t>    </a:t>
+            </a:r>
+            <a:r>
+              <a:rPr lang="en-US" sz="1200" dirty="0" smtClean="0">
+                <a:solidFill>
+                  <a:srgbClr val="000000"/>
+                </a:solidFill>
+                <a:latin typeface="Consolas"/>
+                <a:ea typeface="Source Code Pro"/>
+                <a:cs typeface="Consolas"/>
+                <a:sym typeface="Source Code Pro"/>
+              </a:rPr>
+              <a:t> </a:t>
             </a:r>
             <a:r>
               <a:rPr lang="en" sz="1200" dirty="0" smtClean="0">
                 <a:solidFill>
                   <a:srgbClr val="000000"/>
                 </a:solidFill>
-                <a:latin typeface="Source Code Pro"/>
+                <a:latin typeface="Consolas"/>
                 <a:ea typeface="Source Code Pro"/>
-                <a:cs typeface="Source Code Pro"/>
+                <a:cs typeface="Consolas"/>
                 <a:sym typeface="Source Code Pro"/>
               </a:rPr>
               <a:t>&lt;/</a:t>
@@ -10455,9 +10527,9 @@
                 <a:solidFill>
                   <a:srgbClr val="000000"/>
                 </a:solidFill>
-                <a:latin typeface="Source Code Pro"/>
+                <a:latin typeface="Consolas"/>
                 <a:ea typeface="Source Code Pro"/>
-                <a:cs typeface="Source Code Pro"/>
+                <a:cs typeface="Consolas"/>
                 <a:sym typeface="Source Code Pro"/>
               </a:rPr>
               <a:t>head&gt;</a:t>
